--- a/Coursera_Capstone_Final.pptx
+++ b/Coursera_Capstone_Final.pptx
@@ -463,7 +463,7 @@
             <a:fld id="{5923F103-BC34-4FE4-A40E-EDDEECFDA5D0}" type="datetimeFigureOut">
               <a:rPr lang="en-US" dirty="0"/>
               <a:pPr/>
-              <a:t>9/1/2019</a:t>
+              <a:t>9/2/2019</a:t>
             </a:fld>
             <a:endParaRPr lang="en-US" dirty="0"/>
           </a:p>
@@ -1547,7 +1547,7 @@
           <a:p>
             <a:fld id="{923A1CC3-2375-41D4-9E03-427CAF2A4C1A}" type="datetimeFigureOut">
               <a:rPr lang="en-US" dirty="0"/>
-              <a:t>9/1/2019</a:t>
+              <a:t>9/2/2019</a:t>
             </a:fld>
             <a:endParaRPr lang="en-US" dirty="0"/>
           </a:p>
@@ -2523,7 +2523,7 @@
           <a:p>
             <a:fld id="{AFF16868-8199-4C2C-A5B1-63AEE139F88E}" type="datetimeFigureOut">
               <a:rPr lang="en-US" dirty="0"/>
-              <a:t>9/1/2019</a:t>
+              <a:t>9/2/2019</a:t>
             </a:fld>
             <a:endParaRPr lang="en-US" dirty="0"/>
           </a:p>
@@ -3653,7 +3653,7 @@
           <a:p>
             <a:fld id="{AAD9FF7F-6988-44CC-821B-644E70CD2F73}" type="datetimeFigureOut">
               <a:rPr lang="en-US" dirty="0"/>
-              <a:t>9/1/2019</a:t>
+              <a:t>9/2/2019</a:t>
             </a:fld>
             <a:endParaRPr lang="en-US" dirty="0"/>
           </a:p>
@@ -4682,7 +4682,7 @@
           <a:p>
             <a:fld id="{5C12C299-16B2-4475-990D-751901EACC14}" type="datetimeFigureOut">
               <a:rPr lang="en-US" dirty="0"/>
-              <a:t>9/1/2019</a:t>
+              <a:t>9/2/2019</a:t>
             </a:fld>
             <a:endParaRPr lang="en-US" dirty="0"/>
           </a:p>
@@ -5338,7 +5338,7 @@
           <a:p>
             <a:fld id="{9FE86839-B9D8-4651-8783-F325ECE74E65}" type="datetimeFigureOut">
               <a:rPr lang="en-US" dirty="0"/>
-              <a:t>9/1/2019</a:t>
+              <a:t>9/2/2019</a:t>
             </a:fld>
             <a:endParaRPr lang="en-US" dirty="0"/>
           </a:p>
@@ -6195,7 +6195,7 @@
           <a:p>
             <a:fld id="{FD484F64-32F6-45C5-931F-ADC1662401D0}" type="datetimeFigureOut">
               <a:rPr lang="en-US" dirty="0"/>
-              <a:t>9/1/2019</a:t>
+              <a:t>9/2/2019</a:t>
             </a:fld>
             <a:endParaRPr lang="en-US" dirty="0"/>
           </a:p>
@@ -6381,7 +6381,7 @@
           <a:p>
             <a:fld id="{53086D93-FCAC-47E0-A2EE-787E62CA814C}" type="datetimeFigureOut">
               <a:rPr lang="en-US" dirty="0"/>
-              <a:t>9/1/2019</a:t>
+              <a:t>9/2/2019</a:t>
             </a:fld>
             <a:endParaRPr lang="en-US" dirty="0"/>
           </a:p>
@@ -7349,7 +7349,7 @@
           <a:p>
             <a:fld id="{CDA879A6-0FD0-4734-A311-86BFCA472E6E}" type="datetimeFigureOut">
               <a:rPr lang="en-US" dirty="0"/>
-              <a:t>9/1/2019</a:t>
+              <a:t>9/2/2019</a:t>
             </a:fld>
             <a:endParaRPr lang="en-US" dirty="0"/>
           </a:p>
@@ -7556,7 +7556,7 @@
           <a:p>
             <a:fld id="{19C9CA7B-DFD4-44B5-8C60-D14B8CD1FB59}" type="datetimeFigureOut">
               <a:rPr lang="en-US" dirty="0"/>
-              <a:t>9/1/2019</a:t>
+              <a:t>9/2/2019</a:t>
             </a:fld>
             <a:endParaRPr lang="en-US" dirty="0"/>
           </a:p>
@@ -8586,7 +8586,7 @@
           <a:p>
             <a:fld id="{F34E6425-0181-43F2-84FC-787E803FD2F8}" type="datetimeFigureOut">
               <a:rPr lang="en-US" dirty="0"/>
-              <a:t>9/1/2019</a:t>
+              <a:t>9/2/2019</a:t>
             </a:fld>
             <a:endParaRPr lang="en-US" dirty="0"/>
           </a:p>
@@ -8854,7 +8854,7 @@
           <a:p>
             <a:fld id="{3BDB8791-F1B0-41E7-B7FD-A781E65C4266}" type="datetimeFigureOut">
               <a:rPr lang="en-US" dirty="0"/>
-              <a:t>9/1/2019</a:t>
+              <a:t>9/2/2019</a:t>
             </a:fld>
             <a:endParaRPr lang="en-US" dirty="0"/>
           </a:p>
@@ -9260,7 +9260,7 @@
           <a:p>
             <a:fld id="{5FDD63B2-E120-4ED8-B27B-C685F510A5FE}" type="datetimeFigureOut">
               <a:rPr lang="en-US" dirty="0"/>
-              <a:t>9/1/2019</a:t>
+              <a:t>9/2/2019</a:t>
             </a:fld>
             <a:endParaRPr lang="en-US" dirty="0"/>
           </a:p>
@@ -9383,7 +9383,7 @@
           <a:p>
             <a:fld id="{7AA18ACC-A947-437B-A130-35BD54FDF1E9}" type="datetimeFigureOut">
               <a:rPr lang="en-US" dirty="0"/>
-              <a:t>9/1/2019</a:t>
+              <a:t>9/2/2019</a:t>
             </a:fld>
             <a:endParaRPr lang="en-US" dirty="0"/>
           </a:p>
@@ -9474,7 +9474,7 @@
           <a:p>
             <a:fld id="{7C8D7E02-BCB8-4D50-A234-369438C08659}" type="datetimeFigureOut">
               <a:rPr lang="en-US" dirty="0"/>
-              <a:t>9/1/2019</a:t>
+              <a:t>9/2/2019</a:t>
             </a:fld>
             <a:endParaRPr lang="en-US" dirty="0"/>
           </a:p>
@@ -10551,7 +10551,7 @@
           <a:p>
             <a:fld id="{76E86A4C-8E40-4F87-A4F0-01A0687C5742}" type="datetimeFigureOut">
               <a:rPr lang="en-US" dirty="0"/>
-              <a:t>9/1/2019</a:t>
+              <a:t>9/2/2019</a:t>
             </a:fld>
             <a:endParaRPr lang="en-US" dirty="0"/>
           </a:p>
@@ -11655,7 +11655,7 @@
           <a:p>
             <a:fld id="{35E72C73-2D91-4E12-BA25-F0AA0C03599B}" type="datetimeFigureOut">
               <a:rPr lang="en-US" dirty="0"/>
-              <a:t>9/1/2019</a:t>
+              <a:t>9/2/2019</a:t>
             </a:fld>
             <a:endParaRPr lang="en-US" dirty="0"/>
           </a:p>
@@ -12681,7 +12681,7 @@
           <a:p>
             <a:fld id="{2BE451C3-0FF4-47C4-B829-773ADF60F88C}" type="datetimeFigureOut">
               <a:rPr lang="en-US" dirty="0"/>
-              <a:t>9/1/2019</a:t>
+              <a:t>9/2/2019</a:t>
             </a:fld>
             <a:endParaRPr lang="en-US" dirty="0"/>
           </a:p>
@@ -13636,7 +13636,7 @@
             </a:pPr>
             <a:r>
               <a:rPr lang="en-IN" dirty="0"/>
-              <a:t>Bangalore is truly a cosmopolitan city as far as its taste buds are concerned!</a:t>
+              <a:t>It seems, Bangalore is truly a cosmopolitan city as far as its taste buds are concerned!</a:t>
             </a:r>
           </a:p>
         </p:txBody>
@@ -14037,8 +14037,8 @@
         </p:nvSpPr>
         <p:spPr>
           <a:xfrm>
-            <a:off x="6220459" y="2887682"/>
-            <a:ext cx="5755642" cy="3970318"/>
+            <a:off x="6522720" y="3244733"/>
+            <a:ext cx="5401130" cy="2862322"/>
           </a:xfrm>
           <a:prstGeom prst="rect">
             <a:avLst/>
@@ -14057,7 +14057,7 @@
             </a:pPr>
             <a:r>
               <a:rPr lang="en-IN" dirty="0"/>
-              <a:t>From the map, we observe that the restaurants catering to target category (American and burger joints) are more prominent in central, south and south western parts of Bangalore</a:t>
+              <a:t>From the map, we observe that the restaurants catering to target category of American cuisine and burgers are more prominent in central, south and south western parts of Bangalore</a:t>
             </a:r>
           </a:p>
           <a:p>
@@ -14067,17 +14067,7 @@
             </a:pPr>
             <a:r>
               <a:rPr lang="en-IN" dirty="0"/>
-              <a:t>As such northern Bangalore (extending from north east to north west) is a probable location candidate</a:t>
-            </a:r>
-          </a:p>
-          <a:p>
-            <a:pPr marL="285750" indent="-285750">
-              <a:buFont typeface="Arial" panose="020B0604020202020204" pitchFamily="34" charset="0"/>
-              <a:buChar char="•"/>
-            </a:pPr>
-            <a:r>
-              <a:rPr lang="en-IN" dirty="0"/>
-              <a:t>With the local knowledge, that these regions are recently developed in the last decade or so, compared to the central and southern part of Bangalore makes a sound case for the location choice to be in the northern part of Bangalore</a:t>
+              <a:t>As such northern Bangalore (extending from north east to north west) is a probable location candidate where we expect the competition to be minimum</a:t>
             </a:r>
           </a:p>
           <a:p>
@@ -14204,49 +14194,53 @@
           <a:p>
             <a:r>
               <a:rPr lang="en-IN" dirty="0"/>
-              <a:t>Finally, we perform clustering of users based on the likes they had given for different category of restaurants. This gives us an idea of our target customers who has a high likelihood of turnout</a:t>
+              <a:t>Finally, we perform clustering of users based on the likes they had for different category of cuisine in the past. This gives us an idea of our target customers who has a high likelihood of turnout</a:t>
             </a:r>
           </a:p>
           <a:p>
             <a:pPr lvl="1"/>
             <a:r>
+              <a:rPr lang="en-IN" dirty="0" err="1"/>
+              <a:t>Analyzing</a:t>
+            </a:r>
+            <a:r>
               <a:rPr lang="en-IN" dirty="0"/>
-              <a:t>From the clustering performed on users based on their likes for different food category we infer the following:</a:t>
+              <a:t> the clustering of users based on their likes for different category of cuisine, we infer the following:</a:t>
             </a:r>
           </a:p>
           <a:p>
             <a:pPr lvl="2"/>
             <a:r>
               <a:rPr lang="en-IN" dirty="0"/>
-              <a:t>Cluster zero: Users who have interest in different types of cuisine</a:t>
+              <a:t>Cluster zero users are interested in multi-cuisine</a:t>
             </a:r>
           </a:p>
           <a:p>
             <a:pPr lvl="2"/>
             <a:r>
               <a:rPr lang="en-IN" dirty="0"/>
-              <a:t>Cluster one: Users who have a special taste bud for coffees</a:t>
+              <a:t>Cluster one users have special taste bud for coffees</a:t>
             </a:r>
           </a:p>
           <a:p>
             <a:pPr lvl="2"/>
             <a:r>
               <a:rPr lang="en-IN" dirty="0"/>
-              <a:t>Cluster two: Users who like to eat out for breakfast</a:t>
+              <a:t>Cluster two users like to eat out for breakfast</a:t>
             </a:r>
           </a:p>
           <a:p>
             <a:pPr lvl="2"/>
             <a:r>
               <a:rPr lang="en-IN" dirty="0"/>
-              <a:t>Cluster three: Users who like Indian food</a:t>
+              <a:t>Cluster three users like Indian food</a:t>
             </a:r>
           </a:p>
           <a:p>
             <a:pPr lvl="2"/>
             <a:r>
               <a:rPr lang="en-IN" dirty="0"/>
-              <a:t>Cluster four: Users who predominantly like Italian food, but also have an inclination for other foreign cuisines</a:t>
+              <a:t>Cluster four users predominantly like Italian food, but also have an inclination for other foreign cuisines</a:t>
             </a:r>
           </a:p>
           <a:p>
@@ -14348,8 +14342,8 @@
         </p:nvSpPr>
         <p:spPr>
           <a:xfrm>
-            <a:off x="618308" y="2529840"/>
-            <a:ext cx="10955383" cy="3870960"/>
+            <a:off x="618308" y="2529839"/>
+            <a:ext cx="10955383" cy="4097383"/>
           </a:xfrm>
         </p:spPr>
         <p:txBody>
@@ -14360,7 +14354,7 @@
           <a:p>
             <a:r>
               <a:rPr lang="en-IN" dirty="0"/>
-              <a:t>For the initial analysis, we have limited data. Four square API’s return only limited number of results for search APIs. While the current analysis does give us some insights, for a more meaningful analysis, we need to get search results with close-by locations (say a search per municipal division) and then merge those results weeding out the duplicates. An analysis based on such consolidated data can throw more insights</a:t>
+              <a:t>For the initial analysis, we have limited data. Four square API’s return only limited number of results for search APIs. While the current analysis does give us some insights, for a more meaningful analysis, we need to get search results with close-by locations (say a search per municipal division) and then merge those results weeding out the duplicates. An analysis based on such consolidated data can throw more insights. With the limited queries per day for foursquare APIs, we found this difficult to implement – but future work could consider this enhancement</a:t>
             </a:r>
           </a:p>
           <a:p>
@@ -14372,21 +14366,13 @@
           <a:p>
             <a:r>
               <a:rPr lang="en-IN" dirty="0"/>
-              <a:t>To understand demand, we count the likes per category. But since the counts are based on venues if our search returned more ‘good’ restaurants for a category and more ‘bad’ restaurants for a different category, then our demand inference may be biased. For this analysis we pretend such a bias does not exist. This problem will also be alleviated to a great extend with the data collection enhancement discussed earlier</a:t>
+              <a:t>To understand demand, we count the likes per category. But since the counts are based on venues if our search returned more ‘good’ restaurants for a category and more ‘bad’ restaurants for a different category, then our demand inference may be biased. For the analysis discussed in this presentation, we pretend such a bias does not exist. This problem will also be alleviated to a great extend with the data collection enhancement discussed earlier</a:t>
             </a:r>
           </a:p>
           <a:p>
             <a:r>
               <a:rPr lang="en-IN" dirty="0"/>
-              <a:t>We have based our analysis on the existing data available to us from four square and as such no inference can be made on data that is not available from this data set. For example, how do </a:t>
-            </a:r>
-            <a:r>
-              <a:rPr lang="en-IN" dirty="0" err="1"/>
-              <a:t>Bangaloreans</a:t>
-            </a:r>
-            <a:r>
-              <a:rPr lang="en-IN" dirty="0"/>
-              <a:t> like ‘Hawaiian food’ for which our search did not return a result, possibly because one does not exist in Bangalore?. Data need to be augmented from reviews of food festival etc. rather than basing it only on foursquare location data to alleviate this short coming</a:t>
+              <a:t>We have based our analysis on the existing data available to us from four square and as such no inference can be made on data that is not available from this data set. For example, how do residents of Bangalore like ‘Hawaiian food’ for which our search did not return a result, possibly because one does not exist in Bangalore?. Data need to be augmented from reviews of food festival etc. rather than basing it only on foursquare location data to alleviate this short coming</a:t>
             </a:r>
           </a:p>
         </p:txBody>
@@ -14487,7 +14473,7 @@
             <a:pPr lvl="1"/>
             <a:r>
               <a:rPr lang="en-IN" dirty="0"/>
-              <a:t>Restaurants the serves American food and Burgers</a:t>
+              <a:t>Restaurants that serves American food and Burgers</a:t>
             </a:r>
           </a:p>
           <a:p>
@@ -14500,13 +14486,21 @@
           <a:p>
             <a:r>
               <a:rPr lang="en-IN" dirty="0"/>
-              <a:t>We also observe that the northern (extending from northeast to northwest) Bangalore has supply shortage (for American and burger joints) and therefore ideal candidate for opening our restaurant</a:t>
+              <a:t>We also observe that the northern (extending from northeast to northwest) Bangalore is less competitively intense for American cuisine and burgers - Therefore ideal candidate for opening our new venture</a:t>
             </a:r>
           </a:p>
           <a:p>
             <a:r>
               <a:rPr lang="en-IN" dirty="0"/>
-              <a:t>Based on the cluster analysis on users, we find that users belonging to cluster zero and cluster four has high chances of visiting our restaurant and generating busing for our new venture. Therefore, we must target and lure these customers with discounts and rewards</a:t>
+              <a:t>Based on the cluster analysis of </a:t>
+            </a:r>
+            <a:r>
+              <a:rPr lang="en-IN"/>
+              <a:t>segmentation of users</a:t>
+            </a:r>
+            <a:r>
+              <a:rPr lang="en-IN" dirty="0"/>
+              <a:t>, we find that users who have a liking for multi-cuisine and Italian cuisine has higher chances of visiting our restaurant and generating business for our new venture. Therefore, we must target and lure these customers with discounts and rewards</a:t>
             </a:r>
           </a:p>
           <a:p>
@@ -14598,13 +14592,13 @@
         </p:spPr>
         <p:txBody>
           <a:bodyPr>
-            <a:normAutofit lnSpcReduction="10000"/>
+            <a:normAutofit fontScale="92500" lnSpcReduction="20000"/>
           </a:bodyPr>
           <a:lstStyle/>
           <a:p>
             <a:r>
               <a:rPr lang="en-IN" dirty="0"/>
-              <a:t>Bangalore is a cosmopolitan city in India with ethnically diverse population. Migrants of the city are not only from India – There are also sizeable population from other countries who live in Bangalore</a:t>
+              <a:t>Bangalore is a cosmopolitan city in India with ethnically diverse population. Residents of the city are not only from India – There are also sizeable population from other countries who live in Bangalore</a:t>
             </a:r>
           </a:p>
           <a:p>
@@ -14622,7 +14616,7 @@
           <a:p>
             <a:r>
               <a:rPr lang="en-IN" dirty="0"/>
-              <a:t>This project attempts to address two key questions for aspiring restaurant owners in the city of Bangalore:</a:t>
+              <a:t>This project attempts to address some of the key questions for aspiring restaurant owners in the city of Bangalore:</a:t>
             </a:r>
           </a:p>
           <a:p>
@@ -14636,7 +14630,14 @@
             <a:pPr lvl="1"/>
             <a:r>
               <a:rPr lang="en-IN" b="1" dirty="0"/>
-              <a:t>If such an opportunity does exist, what would be the ideal location in the city to target such an opportunity?</a:t>
+              <a:t>If such an opportunity does exist, what would be the ideal location in the city to start our venture so that the competition is minimized?</a:t>
+            </a:r>
+          </a:p>
+          <a:p>
+            <a:pPr lvl="1"/>
+            <a:r>
+              <a:rPr lang="en-IN" b="1" dirty="0"/>
+              <a:t>From available data, can we identify potential customers for our new venture?</a:t>
             </a:r>
           </a:p>
         </p:txBody>
@@ -14951,7 +14952,7 @@
             <a:pPr lvl="1"/>
             <a:r>
               <a:rPr lang="en-IN" dirty="0"/>
-              <a:t>Data on currently available restaurant in Bangalore can be obtained using foursquare search API to search for category ‘Food’. </a:t>
+              <a:t>Data on currently available restaurants in Bangalore can be obtained using foursquare search API to search for category ‘Food’. </a:t>
             </a:r>
           </a:p>
           <a:p>
@@ -14965,14 +14966,14 @@
             <a:pPr lvl="1"/>
             <a:r>
               <a:rPr lang="en-IN" dirty="0"/>
-              <a:t>Similarly, to get data on category preference we could use the like count for a venue id. Though may not exactly indicate the number of visitors, the like count does have a high correlation to the number of visitors who liked a particular food category</a:t>
+              <a:t>Similarly, to get data on user preference for a particular category of cuisine, we could use the like count for a venue id. Though may not exactly indicate the number of visitors, the like count does have a high correlation to the number of visitors who liked a particular food category</a:t>
             </a:r>
           </a:p>
           <a:p>
             <a:pPr lvl="1"/>
             <a:r>
               <a:rPr lang="en-IN" dirty="0"/>
-              <a:t>Using the foursquare likes API, we could extract the like count for each venue and sum over the category to get like count for each category of food</a:t>
+              <a:t>Using the foursquare likes API, we could extract the like count for each venue and aggregate over the category to get like count for each category of food</a:t>
             </a:r>
           </a:p>
         </p:txBody>
@@ -15083,7 +15084,13 @@
           <a:p>
             <a:r>
               <a:rPr lang="en-IN" dirty="0"/>
-              <a:t>We use the four square data search API and pass in the IDs for high demand category to find number of restaurants of high demand category in each municipal division</a:t>
+              <a:t>We use the four square search API and pass in the IDs for high demand category to find number of restaurants of high demand category in each municipal division</a:t>
+            </a:r>
+          </a:p>
+          <a:p>
+            <a:r>
+              <a:rPr lang="en-IN" dirty="0"/>
+              <a:t>From the likes API, we can extract  information on different cuisine categories that a particular user liked and use that to cluster users and identify potential customers for our new venture  </a:t>
             </a:r>
           </a:p>
         </p:txBody>
@@ -15179,7 +15186,7 @@
             </a:pPr>
             <a:r>
               <a:rPr lang="en-IN" dirty="0"/>
-              <a:t>Firstly, we find the different restaurant types that are available in and around Bangalore and the number of restaurants available for each</a:t>
+              <a:t>Firstly, we find the different restaurant categories that are available in and around Bangalore and the number of restaurants available for each</a:t>
             </a:r>
           </a:p>
           <a:p>
@@ -15193,7 +15200,7 @@
             <a:pPr lvl="1"/>
             <a:r>
               <a:rPr lang="en-IN" dirty="0"/>
-              <a:t>We plot a bar chart number of restaurants per restaurant type to understand the market dominance based on restaurant type</a:t>
+              <a:t>We plot a bar chart for number of restaurants per restaurant type to understand the market dominance based on restaurant type</a:t>
             </a:r>
           </a:p>
           <a:p>
@@ -15203,7 +15210,7 @@
             </a:pPr>
             <a:r>
               <a:rPr lang="en-IN" dirty="0"/>
-              <a:t>Secondly, we would like to understand if population with preference for any restaurant types are concentrated in specific localities in Bangalore</a:t>
+              <a:t>Secondly, we would like to understand if population with preference for any particular restaurant category are concentrated in specific localities of Bangalore</a:t>
             </a:r>
           </a:p>
           <a:p>
@@ -15322,21 +15329,21 @@
             </a:pPr>
             <a:r>
               <a:rPr lang="en-IN" dirty="0"/>
-              <a:t>Thirdly, we predict the demand for different categories and identify the high demand category</a:t>
+              <a:t>Thirdly, we analyse the demand for different categories and identify the high demand category</a:t>
             </a:r>
           </a:p>
           <a:p>
             <a:pPr lvl="1"/>
             <a:r>
               <a:rPr lang="en-IN" dirty="0"/>
-              <a:t>Using four square APIs, we find the number of likes for the restaurant and group them over categories to find the number of likes for a particular type of category</a:t>
+              <a:t>Using four square APIs, we find the number of likes for the restaurant and aggregate them over categories to find the number of likes for a particular type of category</a:t>
             </a:r>
           </a:p>
           <a:p>
             <a:pPr lvl="1"/>
             <a:r>
               <a:rPr lang="en-IN" dirty="0"/>
-              <a:t>For each category, we plot the number of restaurant and number of likes to understand if the demand for a particular category outweighs the current available restaurant count</a:t>
+              <a:t>For each category, we plot the number of restaurant and number of likes to understand if the demand for a particular category outweighs the currently available restaurant count</a:t>
             </a:r>
           </a:p>
           <a:p>
@@ -15353,7 +15360,7 @@
             </a:pPr>
             <a:r>
               <a:rPr lang="en-IN" dirty="0"/>
-              <a:t>Once the high demand category is identified, find the locality where the high demand category of restaurants have least occurrence count</a:t>
+              <a:t>Once the high demand category is identified, find the locality where the high demand category of restaurants does not have intense competition</a:t>
             </a:r>
           </a:p>
           <a:p>
@@ -15375,7 +15382,7 @@
             <a:pPr lvl="1"/>
             <a:r>
               <a:rPr lang="en-IN" dirty="0"/>
-              <a:t>We visualize the target high demand category restaurants available in the localities using choropleth map to understand where our new restaurant could be located</a:t>
+              <a:t>We visualize the target high demand category restaurants available in the localities using choropleth map to understand where our new restaurant could be located so that the competition is minimized</a:t>
             </a:r>
           </a:p>
           <a:p>
@@ -15486,21 +15493,21 @@
             </a:pPr>
             <a:r>
               <a:rPr lang="en-IN" dirty="0"/>
-              <a:t>Finally, we identify our target customers for whom we want to extend the opening invitation with discounts and rewards. Our aim is to maximize the likelihood of turnout for the invitations sent. To identify our customers, we perform clustering of customers based on the food category they have liked in the past</a:t>
+              <a:t>Finally, we identify our potential customers for whom we want to extend the opening invitation with discounts and rewards. Our aim is to maximize the likelihood of turnout for the invitations sent. To identify our potential customers, we perform segmentation of customers based on the cuisine category they have liked in the past</a:t>
             </a:r>
           </a:p>
           <a:p>
             <a:pPr lvl="1"/>
             <a:r>
               <a:rPr lang="en-IN" dirty="0"/>
-              <a:t>Using four square APIs, we find the users and the food category they have liked </a:t>
+              <a:t>Using four square APIs, we find the users and the cuisine category they have liked </a:t>
             </a:r>
           </a:p>
           <a:p>
             <a:pPr lvl="1"/>
             <a:r>
               <a:rPr lang="en-IN" dirty="0"/>
-              <a:t>We perform K means clustering on the users and for each cluster we look at the categories where the like count is non zero</a:t>
+              <a:t>We perform K means clustering on the users and for each cluster we look at the most common category of cuisine liked by the users of that cluster</a:t>
             </a:r>
           </a:p>
           <a:p>
